--- a/class 5/Web and Internet: 11-12/web 1/2. Presentation/1.pptx
+++ b/class 5/Web and Internet: 11-12/web 1/2. Presentation/1.pptx
@@ -10,11 +10,11 @@
   <p:sldIdLst>
     <p:sldId id="256" r:id="rId3"/>
     <p:sldId id="288" r:id="rId4"/>
-    <p:sldId id="292" r:id="rId5"/>
-    <p:sldId id="296" r:id="rId6"/>
-    <p:sldId id="294" r:id="rId7"/>
-    <p:sldId id="293" r:id="rId8"/>
-    <p:sldId id="297" r:id="rId9"/>
+    <p:sldId id="300" r:id="rId5"/>
+    <p:sldId id="301" r:id="rId6"/>
+    <p:sldId id="302" r:id="rId7"/>
+    <p:sldId id="303" r:id="rId8"/>
+    <p:sldId id="304" r:id="rId9"/>
   </p:sldIdLst>
   <p:sldSz cx="12192000" cy="6858000"/>
   <p:notesSz cx="7103745" cy="10234295"/>
@@ -3396,8 +3396,8 @@
         </p:nvSpPr>
         <p:spPr>
           <a:xfrm>
-            <a:off x="409575" y="876935"/>
-            <a:ext cx="10864850" cy="2306955"/>
+            <a:off x="340995" y="670560"/>
+            <a:ext cx="10864850" cy="3415030"/>
           </a:xfrm>
           <a:prstGeom prst="rect">
             <a:avLst/>
@@ -3411,7 +3411,7 @@
           <a:p>
             <a:pPr algn="ctr"/>
             <a:r>
-              <a:rPr lang="" altLang="en-US" sz="7200" b="1">
+              <a:rPr lang="en-US" altLang="en-US" sz="7200" b="1">
                 <a:solidFill>
                   <a:srgbClr val="E29038"/>
                 </a:solidFill>
@@ -3426,9 +3426,45 @@
                 <a:latin typeface="Tibetan Machine Uni" panose="01000503020000020002" charset="0"/>
                 <a:cs typeface="Tibetan Machine Uni" panose="01000503020000020002" charset="0"/>
               </a:rPr>
-              <a:t>Computer</a:t>
-            </a:r>
-            <a:endParaRPr lang="" altLang="en-US" sz="7200" b="1">
+              <a:t>Web </a:t>
+            </a:r>
+            <a:endParaRPr lang="en-US" altLang="en-US" sz="7200" b="1">
+              <a:solidFill>
+                <a:srgbClr val="E29038"/>
+              </a:solidFill>
+              <a:effectLst>
+                <a:outerShdw blurRad="38100" dist="19050" dir="2700000" algn="tl" rotWithShape="0">
+                  <a:schemeClr val="dk1">
+                    <a:alpha val="40000"/>
+                  </a:schemeClr>
+                </a:outerShdw>
+              </a:effectLst>
+              <a:uFillTx/>
+              <a:latin typeface="Tibetan Machine Uni" panose="01000503020000020002" charset="0"/>
+              <a:cs typeface="Tibetan Machine Uni" panose="01000503020000020002" charset="0"/>
+            </a:endParaRPr>
+          </a:p>
+          <a:p>
+            <a:pPr algn="ctr"/>
+            <a:r>
+              <a:rPr lang="en-US" altLang="en-US" sz="7200" b="1">
+                <a:solidFill>
+                  <a:srgbClr val="00B050"/>
+                </a:solidFill>
+                <a:effectLst>
+                  <a:outerShdw blurRad="38100" dist="19050" dir="2700000" algn="tl" rotWithShape="0">
+                    <a:schemeClr val="dk1">
+                      <a:alpha val="40000"/>
+                    </a:schemeClr>
+                  </a:outerShdw>
+                </a:effectLst>
+                <a:uFillTx/>
+                <a:latin typeface="Tibetan Machine Uni" panose="01000503020000020002" charset="0"/>
+                <a:cs typeface="Tibetan Machine Uni" panose="01000503020000020002" charset="0"/>
+              </a:rPr>
+              <a:t>&amp;</a:t>
+            </a:r>
+            <a:endParaRPr lang="en-US" altLang="en-US" sz="7200" b="1">
               <a:solidFill>
                 <a:srgbClr val="7030A0"/>
               </a:solidFill>
@@ -3447,7 +3483,7 @@
           <a:p>
             <a:pPr algn="ctr"/>
             <a:r>
-              <a:rPr lang="" altLang="en-US" sz="7200" b="1">
+              <a:rPr lang="en-US" altLang="en-US" sz="7200" b="1">
                 <a:solidFill>
                   <a:srgbClr val="002060"/>
                 </a:solidFill>
@@ -3462,9 +3498,9 @@
                 <a:latin typeface="Tibetan Machine Uni" panose="01000503020000020002" charset="0"/>
                 <a:cs typeface="Tibetan Machine Uni" panose="01000503020000020002" charset="0"/>
               </a:rPr>
-              <a:t>Hardware</a:t>
-            </a:r>
-            <a:endParaRPr lang="" altLang="en-US" sz="7200" b="1">
+              <a:t>Internet</a:t>
+            </a:r>
+            <a:endParaRPr lang="en-US" altLang="en-US" sz="7200" b="1">
               <a:solidFill>
                 <a:srgbClr val="002060"/>
               </a:solidFill>
@@ -3538,7 +3574,7 @@
         </p:nvSpPr>
         <p:spPr>
           <a:xfrm>
-            <a:off x="4712335" y="3981450"/>
+            <a:off x="4712335" y="4261485"/>
             <a:ext cx="2767965" cy="1568450"/>
           </a:xfrm>
           <a:prstGeom prst="rect">
@@ -3601,7 +3637,24 @@
               </a:rPr>
               <a:t> lab 1</a:t>
             </a:r>
-            <a:endParaRPr lang="en-US" altLang="en-US" sz="4800" b="1">
+            <a:r>
+              <a:rPr lang="" altLang="en-US" sz="4800" b="1">
+                <a:solidFill>
+                  <a:schemeClr val="tx1"/>
+                </a:solidFill>
+                <a:effectLst>
+                  <a:outerShdw blurRad="38100" dist="19050" dir="2700000" algn="tl" rotWithShape="0">
+                    <a:schemeClr val="dk1">
+                      <a:alpha val="40000"/>
+                    </a:schemeClr>
+                  </a:outerShdw>
+                </a:effectLst>
+                <a:latin typeface="Purisa" panose="02000603000000000000" charset="0"/>
+                <a:cs typeface="Purisa" panose="02000603000000000000" charset="0"/>
+              </a:rPr>
+              <a:t>1</a:t>
+            </a:r>
+            <a:endParaRPr lang="" altLang="en-US" sz="4800" b="1">
               <a:solidFill>
                 <a:schemeClr val="tx1"/>
               </a:solidFill>
@@ -3620,7 +3673,7 @@
       </p:sp>
       <p:pic>
         <p:nvPicPr>
-          <p:cNvPr id="2" name="Picture 1"/>
+          <p:cNvPr id="3" name="Picture 2"/>
           <p:cNvPicPr>
             <a:picLocks noChangeAspect="1"/>
           </p:cNvPicPr>
@@ -3633,9 +3686,9 @@
           </a:stretch>
         </p:blipFill>
         <p:spPr>
-          <a:xfrm>
-            <a:off x="9261475" y="311150"/>
-            <a:ext cx="2600325" cy="1682115"/>
+          <a:xfrm rot="19320000">
+            <a:off x="-307975" y="1743075"/>
+            <a:ext cx="4813935" cy="962660"/>
           </a:xfrm>
           <a:prstGeom prst="rect">
             <a:avLst/>
@@ -3718,9 +3771,84 @@
           </a:prstGeom>
         </p:spPr>
       </p:pic>
+      <p:sp>
+        <p:nvSpPr>
+          <p:cNvPr id="100" name="Text Box 99"/>
+          <p:cNvSpPr txBox="1"/>
+          <p:nvPr/>
+        </p:nvSpPr>
+        <p:spPr>
+          <a:xfrm>
+            <a:off x="1860550" y="353695"/>
+            <a:ext cx="10375265" cy="922020"/>
+          </a:xfrm>
+          <a:prstGeom prst="rect">
+            <a:avLst/>
+          </a:prstGeom>
+          <a:noFill/>
+          <a:ln w="9525">
+            <a:noFill/>
+          </a:ln>
+        </p:spPr>
+        <p:txBody>
+          <a:bodyPr wrap="square">
+            <a:spAutoFit/>
+          </a:bodyPr>
+          <a:p>
+            <a:pPr indent="0"/>
+            <a:r>
+              <a:rPr lang="en-US" altLang="en-US" sz="5400" b="1">
+                <a:solidFill>
+                  <a:srgbClr val="E29038"/>
+                </a:solidFill>
+                <a:latin typeface="Calibri" charset="0"/>
+                <a:cs typeface="SimSun" charset="0"/>
+              </a:rPr>
+              <a:t>W</a:t>
+            </a:r>
+            <a:r>
+              <a:rPr lang="en-US" sz="5400" b="1">
+                <a:solidFill>
+                  <a:srgbClr val="E29038"/>
+                </a:solidFill>
+                <a:latin typeface="Calibri" charset="0"/>
+                <a:cs typeface="SimSun" charset="0"/>
+              </a:rPr>
+              <a:t>eb </a:t>
+            </a:r>
+            <a:r>
+              <a:rPr lang="en-US" altLang="en-US" sz="5400" b="1">
+                <a:solidFill>
+                  <a:srgbClr val="002060"/>
+                </a:solidFill>
+                <a:latin typeface="Calibri" charset="0"/>
+                <a:cs typeface="SimSun" charset="0"/>
+              </a:rPr>
+              <a:t>B</a:t>
+            </a:r>
+            <a:r>
+              <a:rPr lang="en-US" sz="5400" b="1">
+                <a:solidFill>
+                  <a:srgbClr val="002060"/>
+                </a:solidFill>
+                <a:latin typeface="Calibri" charset="0"/>
+                <a:cs typeface="SimSun" charset="0"/>
+              </a:rPr>
+              <a:t>rowser</a:t>
+            </a:r>
+            <a:endParaRPr lang="en-US" sz="5400" b="1">
+              <a:solidFill>
+                <a:srgbClr val="002060"/>
+              </a:solidFill>
+              <a:latin typeface="Calibri" charset="0"/>
+              <a:cs typeface="SimSun" charset="0"/>
+            </a:endParaRPr>
+          </a:p>
+        </p:txBody>
+      </p:sp>
       <p:pic>
         <p:nvPicPr>
-          <p:cNvPr id="3" name="Picture 2"/>
+          <p:cNvPr id="7" name="Picture 6"/>
           <p:cNvPicPr>
             <a:picLocks noChangeAspect="1"/>
           </p:cNvPicPr>
@@ -3734,72 +3862,17 @@
         </p:blipFill>
         <p:spPr>
           <a:xfrm>
-            <a:off x="331470" y="381635"/>
-            <a:ext cx="1427480" cy="923925"/>
+            <a:off x="278130" y="353695"/>
+            <a:ext cx="1023620" cy="1023620"/>
           </a:xfrm>
           <a:prstGeom prst="rect">
             <a:avLst/>
           </a:prstGeom>
         </p:spPr>
       </p:pic>
-      <p:sp>
-        <p:nvSpPr>
-          <p:cNvPr id="100" name="Text Box 99"/>
-          <p:cNvSpPr txBox="1"/>
-          <p:nvPr/>
-        </p:nvSpPr>
-        <p:spPr>
-          <a:xfrm>
-            <a:off x="1860550" y="353695"/>
-            <a:ext cx="10375265" cy="922020"/>
-          </a:xfrm>
-          <a:prstGeom prst="rect">
-            <a:avLst/>
-          </a:prstGeom>
-          <a:noFill/>
-          <a:ln w="9525">
-            <a:noFill/>
-          </a:ln>
-        </p:spPr>
-        <p:txBody>
-          <a:bodyPr wrap="square">
-            <a:spAutoFit/>
-          </a:bodyPr>
-          <a:p>
-            <a:pPr marL="0" indent="0"/>
-            <a:r>
-              <a:rPr lang="en-US" sz="5400" b="1">
-                <a:solidFill>
-                  <a:srgbClr val="E29038"/>
-                </a:solidFill>
-                <a:latin typeface="Calibri" charset="0"/>
-                <a:cs typeface="SimSun" charset="0"/>
-              </a:rPr>
-              <a:t>Computer </a:t>
-            </a:r>
-            <a:r>
-              <a:rPr lang="" altLang="en-US" sz="5400" b="1">
-                <a:solidFill>
-                  <a:srgbClr val="00B050"/>
-                </a:solidFill>
-                <a:latin typeface="Calibri" charset="0"/>
-                <a:cs typeface="SimSun" charset="0"/>
-              </a:rPr>
-              <a:t>System</a:t>
-            </a:r>
-            <a:endParaRPr lang="" altLang="en-US" sz="5400" b="1">
-              <a:solidFill>
-                <a:srgbClr val="00B050"/>
-              </a:solidFill>
-              <a:latin typeface="Calibri" charset="0"/>
-              <a:cs typeface="SimSun" charset="0"/>
-            </a:endParaRPr>
-          </a:p>
-        </p:txBody>
-      </p:sp>
       <p:pic>
         <p:nvPicPr>
-          <p:cNvPr id="4" name="Picture 2" descr="IMG_256"/>
+          <p:cNvPr id="17" name="Picture 11" descr="IMG_256"/>
           <p:cNvPicPr>
             <a:picLocks noChangeAspect="1"/>
           </p:cNvPicPr>
@@ -3827,8 +3900,8 @@
         </p:blipFill>
         <p:spPr>
           <a:xfrm>
-            <a:off x="2613660" y="1635125"/>
-            <a:ext cx="6221095" cy="4606290"/>
+            <a:off x="6724015" y="1655445"/>
+            <a:ext cx="4025900" cy="4025900"/>
           </a:xfrm>
           <a:prstGeom prst="rect">
             <a:avLst/>
@@ -3839,6 +3912,45 @@
           </a:ln>
         </p:spPr>
       </p:pic>
+      <p:sp>
+        <p:nvSpPr>
+          <p:cNvPr id="8" name="Text Box 7"/>
+          <p:cNvSpPr txBox="1"/>
+          <p:nvPr/>
+        </p:nvSpPr>
+        <p:spPr>
+          <a:xfrm>
+            <a:off x="1001395" y="2809240"/>
+            <a:ext cx="5080000" cy="1014730"/>
+          </a:xfrm>
+          <a:prstGeom prst="rect">
+            <a:avLst/>
+          </a:prstGeom>
+          <a:noFill/>
+          <a:ln w="9525">
+            <a:noFill/>
+          </a:ln>
+        </p:spPr>
+        <p:txBody>
+          <a:bodyPr>
+            <a:spAutoFit/>
+          </a:bodyPr>
+          <a:p>
+            <a:pPr marL="0" indent="0"/>
+            <a:r>
+              <a:rPr lang="en-US" sz="2000" b="0">
+                <a:latin typeface="Calibri" charset="0"/>
+                <a:cs typeface="SimSun" charset="0"/>
+              </a:rPr>
+              <a:t>A web browser is a type of software that allows you to find and view websites on the Internet</a:t>
+            </a:r>
+            <a:endParaRPr lang="en-US" sz="2000" b="0">
+              <a:latin typeface="Calibri" charset="0"/>
+              <a:cs typeface="SimSun" charset="0"/>
+            </a:endParaRPr>
+          </a:p>
+        </p:txBody>
+      </p:sp>
     </p:spTree>
   </p:cSld>
   <p:clrMapOvr>
@@ -3914,9 +4026,84 @@
           </a:prstGeom>
         </p:spPr>
       </p:pic>
+      <p:sp>
+        <p:nvSpPr>
+          <p:cNvPr id="100" name="Text Box 99"/>
+          <p:cNvSpPr txBox="1"/>
+          <p:nvPr/>
+        </p:nvSpPr>
+        <p:spPr>
+          <a:xfrm>
+            <a:off x="1860550" y="353695"/>
+            <a:ext cx="10375265" cy="922020"/>
+          </a:xfrm>
+          <a:prstGeom prst="rect">
+            <a:avLst/>
+          </a:prstGeom>
+          <a:noFill/>
+          <a:ln w="9525">
+            <a:noFill/>
+          </a:ln>
+        </p:spPr>
+        <p:txBody>
+          <a:bodyPr wrap="square">
+            <a:spAutoFit/>
+          </a:bodyPr>
+          <a:p>
+            <a:pPr indent="0"/>
+            <a:r>
+              <a:rPr lang="en-US" altLang="en-US" sz="5400" b="1">
+                <a:solidFill>
+                  <a:srgbClr val="E29038"/>
+                </a:solidFill>
+                <a:latin typeface="Calibri" charset="0"/>
+                <a:cs typeface="SimSun" charset="0"/>
+              </a:rPr>
+              <a:t>A</a:t>
+            </a:r>
+            <a:r>
+              <a:rPr lang="en-US" sz="5400" b="1">
+                <a:solidFill>
+                  <a:srgbClr val="E29038"/>
+                </a:solidFill>
+                <a:latin typeface="Calibri" charset="0"/>
+                <a:cs typeface="SimSun" charset="0"/>
+              </a:rPr>
+              <a:t>ddress </a:t>
+            </a:r>
+            <a:r>
+              <a:rPr lang="en-US" altLang="en-US" sz="5400" b="1">
+                <a:solidFill>
+                  <a:srgbClr val="002060"/>
+                </a:solidFill>
+                <a:latin typeface="Calibri" charset="0"/>
+                <a:cs typeface="SimSun" charset="0"/>
+              </a:rPr>
+              <a:t>B</a:t>
+            </a:r>
+            <a:r>
+              <a:rPr lang="en-US" sz="5400" b="1">
+                <a:solidFill>
+                  <a:srgbClr val="002060"/>
+                </a:solidFill>
+                <a:latin typeface="Calibri" charset="0"/>
+                <a:cs typeface="SimSun" charset="0"/>
+              </a:rPr>
+              <a:t>ar</a:t>
+            </a:r>
+            <a:endParaRPr lang="en-US" sz="5400" b="1">
+              <a:solidFill>
+                <a:srgbClr val="002060"/>
+              </a:solidFill>
+              <a:latin typeface="Calibri" charset="0"/>
+              <a:cs typeface="SimSun" charset="0"/>
+            </a:endParaRPr>
+          </a:p>
+        </p:txBody>
+      </p:sp>
       <p:pic>
         <p:nvPicPr>
-          <p:cNvPr id="3" name="Picture 2"/>
+          <p:cNvPr id="7" name="Picture 6"/>
           <p:cNvPicPr>
             <a:picLocks noChangeAspect="1"/>
           </p:cNvPicPr>
@@ -3930,8 +4117,8 @@
         </p:blipFill>
         <p:spPr>
           <a:xfrm>
-            <a:off x="331470" y="381635"/>
-            <a:ext cx="1427480" cy="923925"/>
+            <a:off x="278130" y="353695"/>
+            <a:ext cx="1023620" cy="1023620"/>
           </a:xfrm>
           <a:prstGeom prst="rect">
             <a:avLst/>
@@ -3940,14 +4127,14 @@
       </p:pic>
       <p:sp>
         <p:nvSpPr>
-          <p:cNvPr id="100" name="Text Box 99"/>
+          <p:cNvPr id="8" name="Text Box 7"/>
           <p:cNvSpPr txBox="1"/>
           <p:nvPr/>
         </p:nvSpPr>
         <p:spPr>
           <a:xfrm>
-            <a:off x="1860550" y="353695"/>
-            <a:ext cx="10375265" cy="922020"/>
+            <a:off x="3439795" y="3689985"/>
+            <a:ext cx="5080000" cy="1938020"/>
           </a:xfrm>
           <a:prstGeom prst="rect">
             <a:avLst/>
@@ -3958,154 +4145,50 @@
           </a:ln>
         </p:spPr>
         <p:txBody>
-          <a:bodyPr wrap="square">
+          <a:bodyPr>
             <a:spAutoFit/>
           </a:bodyPr>
           <a:p>
-            <a:pPr indent="0"/>
-            <a:r>
-              <a:rPr lang="en-US" sz="5400" b="1">
-                <a:solidFill>
-                  <a:srgbClr val="E29038"/>
-                </a:solidFill>
+            <a:pPr marL="0" indent="0"/>
+            <a:r>
+              <a:rPr lang="en-US" sz="2400" b="0">
                 <a:latin typeface="Calibri" charset="0"/>
                 <a:cs typeface="SimSun" charset="0"/>
               </a:rPr>
-              <a:t>Computer </a:t>
-            </a:r>
-            <a:r>
-              <a:rPr lang="en-US" altLang="en-US" sz="5400" b="1">
-                <a:solidFill>
-                  <a:srgbClr val="00B050"/>
-                </a:solidFill>
+              <a:t>Each website has a unique address, called a URL </a:t>
+            </a:r>
+            <a:r>
+              <a:rPr lang="en-US" altLang="en-US" sz="2400" b="0">
                 <a:latin typeface="Calibri" charset="0"/>
                 <a:cs typeface="SimSun" charset="0"/>
               </a:rPr>
-              <a:t>Processor</a:t>
-            </a:r>
-            <a:endParaRPr lang="en-US" altLang="en-US" sz="5400" b="1">
-              <a:solidFill>
-                <a:srgbClr val="00B050"/>
-              </a:solidFill>
+              <a:t>. In browsers address bar you have to put the URL and hit to visit that website </a:t>
+            </a:r>
+            <a:endParaRPr lang="en-US" altLang="en-US" sz="2400" b="0">
               <a:latin typeface="Calibri" charset="0"/>
               <a:cs typeface="SimSun" charset="0"/>
             </a:endParaRPr>
           </a:p>
         </p:txBody>
       </p:sp>
-      <p:sp>
-        <p:nvSpPr>
-          <p:cNvPr id="2" name="Text Box 1"/>
-          <p:cNvSpPr txBox="1"/>
-          <p:nvPr/>
-        </p:nvSpPr>
-        <p:spPr>
-          <a:xfrm>
-            <a:off x="459740" y="2451100"/>
-            <a:ext cx="5036185" cy="1383665"/>
-          </a:xfrm>
-          <a:prstGeom prst="rect">
-            <a:avLst/>
-          </a:prstGeom>
-          <a:noFill/>
-          <a:ln w="9525">
-            <a:noFill/>
-          </a:ln>
-        </p:spPr>
-        <p:txBody>
-          <a:bodyPr wrap="square">
-            <a:spAutoFit/>
-          </a:bodyPr>
-          <a:p>
-            <a:pPr marL="0" indent="0"/>
-            <a:r>
-              <a:rPr lang="en-US" sz="2800" b="0">
-                <a:latin typeface="Calibri" charset="0"/>
-                <a:cs typeface="SimSun" charset="0"/>
-              </a:rPr>
-              <a:t>a small chip </a:t>
-            </a:r>
-            <a:r>
-              <a:rPr lang="" altLang="en-US" sz="2800" b="0">
-                <a:latin typeface="Calibri" charset="0"/>
-                <a:cs typeface="SimSun" charset="0"/>
-              </a:rPr>
-              <a:t>that </a:t>
-            </a:r>
-            <a:r>
-              <a:rPr lang="en-US" sz="2800" b="0">
-                <a:latin typeface="Calibri" charset="0"/>
-                <a:cs typeface="SimSun" charset="0"/>
-              </a:rPr>
-              <a:t>receive</a:t>
-            </a:r>
-            <a:r>
-              <a:rPr lang="" altLang="en-US" sz="2800" b="0">
-                <a:latin typeface="Calibri" charset="0"/>
-                <a:cs typeface="SimSun" charset="0"/>
-              </a:rPr>
-              <a:t>s</a:t>
-            </a:r>
-            <a:r>
-              <a:rPr lang="en-US" sz="2800" b="0">
-                <a:latin typeface="Calibri" charset="0"/>
-                <a:cs typeface="SimSun" charset="0"/>
-              </a:rPr>
-              <a:t> input and provide</a:t>
-            </a:r>
-            <a:r>
-              <a:rPr lang="" altLang="en-US" sz="2800" b="0">
-                <a:latin typeface="Calibri" charset="0"/>
-                <a:cs typeface="SimSun" charset="0"/>
-              </a:rPr>
-              <a:t>s</a:t>
-            </a:r>
-            <a:r>
-              <a:rPr lang="en-US" sz="2800" b="0">
-                <a:latin typeface="Calibri" charset="0"/>
-                <a:cs typeface="SimSun" charset="0"/>
-              </a:rPr>
-              <a:t> the appropriate output</a:t>
-            </a:r>
-            <a:endParaRPr lang="en-US" sz="2800" b="0">
-              <a:latin typeface="Calibri" charset="0"/>
-              <a:cs typeface="SimSun" charset="0"/>
-            </a:endParaRPr>
-          </a:p>
-        </p:txBody>
-      </p:sp>
       <p:pic>
         <p:nvPicPr>
-          <p:cNvPr id="7" name="Picture 5" descr="IMG_256"/>
+          <p:cNvPr id="9" name="Picture 2" descr="The address bar"/>
           <p:cNvPicPr>
             <a:picLocks noChangeAspect="1"/>
           </p:cNvPicPr>
           <p:nvPr/>
         </p:nvPicPr>
         <p:blipFill>
-          <a:blip r:embed="rId5">
-            <a:clrChange>
-              <a:clrFrom>
-                <a:srgbClr val="FFFFFF">
-                  <a:alpha val="100000"/>
-                </a:srgbClr>
-              </a:clrFrom>
-              <a:clrTo>
-                <a:srgbClr val="FFFFFF">
-                  <a:alpha val="100000"/>
-                  <a:alpha val="0"/>
-                </a:srgbClr>
-              </a:clrTo>
-            </a:clrChange>
-          </a:blip>
+          <a:blip r:embed="rId5"/>
           <a:stretch>
             <a:fillRect/>
           </a:stretch>
         </p:blipFill>
         <p:spPr>
           <a:xfrm>
-            <a:off x="5821045" y="1955165"/>
-            <a:ext cx="4387850" cy="3426460"/>
+            <a:off x="652145" y="1967230"/>
+            <a:ext cx="10655300" cy="1134110"/>
           </a:xfrm>
           <a:prstGeom prst="rect">
             <a:avLst/>
@@ -4191,9 +4274,54 @@
           </a:prstGeom>
         </p:spPr>
       </p:pic>
+      <p:sp>
+        <p:nvSpPr>
+          <p:cNvPr id="100" name="Text Box 99"/>
+          <p:cNvSpPr txBox="1"/>
+          <p:nvPr/>
+        </p:nvSpPr>
+        <p:spPr>
+          <a:xfrm>
+            <a:off x="1860550" y="353695"/>
+            <a:ext cx="10375265" cy="922020"/>
+          </a:xfrm>
+          <a:prstGeom prst="rect">
+            <a:avLst/>
+          </a:prstGeom>
+          <a:noFill/>
+          <a:ln w="9525">
+            <a:noFill/>
+          </a:ln>
+        </p:spPr>
+        <p:txBody>
+          <a:bodyPr wrap="square">
+            <a:spAutoFit/>
+          </a:bodyPr>
+          <a:p>
+            <a:pPr indent="0"/>
+            <a:r>
+              <a:rPr lang="en-US" sz="5400" b="1">
+                <a:solidFill>
+                  <a:srgbClr val="E29038"/>
+                </a:solidFill>
+                <a:latin typeface="Calibri" charset="0"/>
+                <a:cs typeface="SimSun" charset="0"/>
+              </a:rPr>
+              <a:t>Links</a:t>
+            </a:r>
+            <a:endParaRPr lang="en-US" sz="5400" b="1">
+              <a:solidFill>
+                <a:srgbClr val="E29038"/>
+              </a:solidFill>
+              <a:latin typeface="Calibri" charset="0"/>
+              <a:cs typeface="SimSun" charset="0"/>
+            </a:endParaRPr>
+          </a:p>
+        </p:txBody>
+      </p:sp>
       <p:pic>
         <p:nvPicPr>
-          <p:cNvPr id="3" name="Picture 2"/>
+          <p:cNvPr id="7" name="Picture 6"/>
           <p:cNvPicPr>
             <a:picLocks noChangeAspect="1"/>
           </p:cNvPicPr>
@@ -4207,8 +4335,8 @@
         </p:blipFill>
         <p:spPr>
           <a:xfrm>
-            <a:off x="331470" y="381635"/>
-            <a:ext cx="1427480" cy="923925"/>
+            <a:off x="278130" y="353695"/>
+            <a:ext cx="1023620" cy="1023620"/>
           </a:xfrm>
           <a:prstGeom prst="rect">
             <a:avLst/>
@@ -4217,14 +4345,14 @@
       </p:pic>
       <p:sp>
         <p:nvSpPr>
-          <p:cNvPr id="100" name="Text Box 99"/>
+          <p:cNvPr id="8" name="Text Box 7"/>
           <p:cNvSpPr txBox="1"/>
           <p:nvPr/>
         </p:nvSpPr>
         <p:spPr>
           <a:xfrm>
-            <a:off x="1860550" y="353695"/>
-            <a:ext cx="10375265" cy="922020"/>
+            <a:off x="3439795" y="3950335"/>
+            <a:ext cx="5080000" cy="1568450"/>
           </a:xfrm>
           <a:prstGeom prst="rect">
             <a:avLst/>
@@ -4235,35 +4363,19 @@
           </a:ln>
         </p:spPr>
         <p:txBody>
-          <a:bodyPr wrap="square">
+          <a:bodyPr>
             <a:spAutoFit/>
           </a:bodyPr>
           <a:p>
-            <a:pPr indent="0"/>
-            <a:r>
-              <a:rPr lang="en-US" sz="5400" b="1">
-                <a:solidFill>
-                  <a:srgbClr val="E29038"/>
-                </a:solidFill>
+            <a:pPr marL="0" indent="0"/>
+            <a:r>
+              <a:rPr lang="en-US" sz="2400" b="0">
                 <a:latin typeface="Calibri" charset="0"/>
                 <a:cs typeface="SimSun" charset="0"/>
               </a:rPr>
-              <a:t>Computer </a:t>
-            </a:r>
-            <a:r>
-              <a:rPr lang="en-US" altLang="en-US" sz="5400" b="1">
-                <a:solidFill>
-                  <a:srgbClr val="00B050"/>
-                </a:solidFill>
-                <a:latin typeface="Calibri" charset="0"/>
-                <a:cs typeface="SimSun" charset="0"/>
-              </a:rPr>
-              <a:t>Architecture</a:t>
-            </a:r>
-            <a:endParaRPr lang="en-US" altLang="en-US" sz="5400" b="1">
-              <a:solidFill>
-                <a:srgbClr val="00B050"/>
-              </a:solidFill>
+              <a:t>Links are used to navigate the Web. When you click a link, it will usually take you to a different web page</a:t>
+            </a:r>
+            <a:endParaRPr lang="en-US" sz="2400" b="0">
               <a:latin typeface="Calibri" charset="0"/>
               <a:cs typeface="SimSun" charset="0"/>
             </a:endParaRPr>
@@ -4272,37 +4384,22 @@
       </p:sp>
       <p:pic>
         <p:nvPicPr>
-          <p:cNvPr id="9" name="Picture 2" descr="IMG_256"/>
+          <p:cNvPr id="2" name="Picture 3" descr="Clicking a link"/>
           <p:cNvPicPr>
             <a:picLocks noChangeAspect="1"/>
           </p:cNvPicPr>
           <p:nvPr/>
         </p:nvPicPr>
         <p:blipFill>
-          <a:blip r:embed="rId5">
-            <a:clrChange>
-              <a:clrFrom>
-                <a:srgbClr val="FFFFFF">
-                  <a:alpha val="100000"/>
-                </a:srgbClr>
-              </a:clrFrom>
-              <a:clrTo>
-                <a:srgbClr val="FFFFFF">
-                  <a:alpha val="100000"/>
-                  <a:alpha val="0"/>
-                </a:srgbClr>
-              </a:clrTo>
-            </a:clrChange>
-            <a:lum bright="-6000"/>
-          </a:blip>
+          <a:blip r:embed="rId5"/>
           <a:stretch>
             <a:fillRect/>
           </a:stretch>
         </p:blipFill>
         <p:spPr>
           <a:xfrm>
-            <a:off x="4330700" y="1398905"/>
-            <a:ext cx="6965950" cy="4879340"/>
+            <a:off x="1003935" y="1377315"/>
+            <a:ext cx="9952355" cy="1785620"/>
           </a:xfrm>
           <a:prstGeom prst="rect">
             <a:avLst/>
@@ -4313,52 +4410,6 @@
           </a:ln>
         </p:spPr>
       </p:pic>
-      <p:sp>
-        <p:nvSpPr>
-          <p:cNvPr id="2" name="Text Box 1"/>
-          <p:cNvSpPr txBox="1"/>
-          <p:nvPr/>
-        </p:nvSpPr>
-        <p:spPr>
-          <a:xfrm>
-            <a:off x="582930" y="2748280"/>
-            <a:ext cx="3362960" cy="1938020"/>
-          </a:xfrm>
-          <a:prstGeom prst="rect">
-            <a:avLst/>
-          </a:prstGeom>
-          <a:noFill/>
-          <a:ln w="9525">
-            <a:noFill/>
-          </a:ln>
-        </p:spPr>
-        <p:txBody>
-          <a:bodyPr wrap="square">
-            <a:spAutoFit/>
-          </a:bodyPr>
-          <a:p>
-            <a:pPr marL="0" indent="0"/>
-            <a:r>
-              <a:rPr lang="en-US" altLang="en-US" sz="2400" b="0">
-                <a:latin typeface="Calibri" charset="0"/>
-                <a:cs typeface="SimSun" charset="0"/>
-              </a:rPr>
-              <a:t>It </a:t>
-            </a:r>
-            <a:r>
-              <a:rPr lang="en-US" sz="2400" b="0">
-                <a:latin typeface="Calibri" charset="0"/>
-                <a:cs typeface="SimSun" charset="0"/>
-              </a:rPr>
-              <a:t>refers to how a computer system is designed and what technologies it is compatible with</a:t>
-            </a:r>
-            <a:endParaRPr lang="en-US" sz="2400" b="0">
-              <a:latin typeface="Calibri" charset="0"/>
-              <a:cs typeface="SimSun" charset="0"/>
-            </a:endParaRPr>
-          </a:p>
-        </p:txBody>
-      </p:sp>
     </p:spTree>
   </p:cSld>
   <p:clrMapOvr>
@@ -4434,9 +4485,64 @@
           </a:prstGeom>
         </p:spPr>
       </p:pic>
+      <p:sp>
+        <p:nvSpPr>
+          <p:cNvPr id="100" name="Text Box 99"/>
+          <p:cNvSpPr txBox="1"/>
+          <p:nvPr/>
+        </p:nvSpPr>
+        <p:spPr>
+          <a:xfrm>
+            <a:off x="1860550" y="353695"/>
+            <a:ext cx="10375265" cy="922020"/>
+          </a:xfrm>
+          <a:prstGeom prst="rect">
+            <a:avLst/>
+          </a:prstGeom>
+          <a:noFill/>
+          <a:ln w="9525">
+            <a:noFill/>
+          </a:ln>
+        </p:spPr>
+        <p:txBody>
+          <a:bodyPr wrap="square">
+            <a:spAutoFit/>
+          </a:bodyPr>
+          <a:p>
+            <a:pPr indent="0"/>
+            <a:r>
+              <a:rPr lang="en-US" sz="5400" b="1">
+                <a:solidFill>
+                  <a:srgbClr val="E29038"/>
+                </a:solidFill>
+                <a:latin typeface="Calibri" charset="0"/>
+                <a:cs typeface="SimSun" charset="0"/>
+              </a:rPr>
+              <a:t>Navigation </a:t>
+            </a:r>
+            <a:r>
+              <a:rPr lang="en-US" sz="5400" b="1">
+                <a:solidFill>
+                  <a:srgbClr val="002060"/>
+                </a:solidFill>
+                <a:latin typeface="Calibri" charset="0"/>
+                <a:cs typeface="SimSun" charset="0"/>
+              </a:rPr>
+              <a:t>buttons</a:t>
+            </a:r>
+            <a:endParaRPr lang="en-US" sz="5400" b="1">
+              <a:solidFill>
+                <a:srgbClr val="002060"/>
+              </a:solidFill>
+              <a:latin typeface="Calibri" charset="0"/>
+              <a:cs typeface="SimSun" charset="0"/>
+            </a:endParaRPr>
+          </a:p>
+        </p:txBody>
+      </p:sp>
       <p:pic>
         <p:nvPicPr>
-          <p:cNvPr id="3" name="Picture 2"/>
+          <p:cNvPr id="7" name="Picture 6"/>
           <p:cNvPicPr>
             <a:picLocks noChangeAspect="1"/>
           </p:cNvPicPr>
@@ -4450,82 +4556,17 @@
         </p:blipFill>
         <p:spPr>
           <a:xfrm>
-            <a:off x="331470" y="381635"/>
-            <a:ext cx="1427480" cy="923925"/>
+            <a:off x="278130" y="353695"/>
+            <a:ext cx="1023620" cy="1023620"/>
           </a:xfrm>
           <a:prstGeom prst="rect">
             <a:avLst/>
           </a:prstGeom>
         </p:spPr>
       </p:pic>
-      <p:sp>
-        <p:nvSpPr>
-          <p:cNvPr id="100" name="Text Box 99"/>
-          <p:cNvSpPr txBox="1"/>
-          <p:nvPr/>
-        </p:nvSpPr>
-        <p:spPr>
-          <a:xfrm>
-            <a:off x="1860550" y="353695"/>
-            <a:ext cx="10375265" cy="922020"/>
-          </a:xfrm>
-          <a:prstGeom prst="rect">
-            <a:avLst/>
-          </a:prstGeom>
-          <a:noFill/>
-          <a:ln w="9525">
-            <a:noFill/>
-          </a:ln>
-        </p:spPr>
-        <p:txBody>
-          <a:bodyPr wrap="square">
-            <a:spAutoFit/>
-          </a:bodyPr>
-          <a:p>
-            <a:pPr indent="0"/>
-            <a:r>
-              <a:rPr lang="en-US" sz="5400" b="1">
-                <a:solidFill>
-                  <a:srgbClr val="E29038"/>
-                </a:solidFill>
-                <a:latin typeface="Calibri" charset="0"/>
-                <a:cs typeface="SimSun" charset="0"/>
-              </a:rPr>
-              <a:t>Arithmetic </a:t>
-            </a:r>
-            <a:r>
-              <a:rPr lang="en-US" altLang="en-US" sz="5400" b="1">
-                <a:solidFill>
-                  <a:srgbClr val="00B050"/>
-                </a:solidFill>
-                <a:latin typeface="Calibri" charset="0"/>
-                <a:cs typeface="SimSun" charset="0"/>
-              </a:rPr>
-              <a:t>Logic </a:t>
-            </a:r>
-            <a:r>
-              <a:rPr lang="" altLang="en-US" sz="5400" b="1">
-                <a:solidFill>
-                  <a:srgbClr val="002060"/>
-                </a:solidFill>
-                <a:latin typeface="Calibri" charset="0"/>
-                <a:cs typeface="SimSun" charset="0"/>
-              </a:rPr>
-              <a:t>Unit</a:t>
-            </a:r>
-            <a:endParaRPr lang="" altLang="en-US" sz="5400" b="1">
-              <a:solidFill>
-                <a:srgbClr val="002060"/>
-              </a:solidFill>
-              <a:latin typeface="Calibri" charset="0"/>
-              <a:cs typeface="SimSun" charset="0"/>
-            </a:endParaRPr>
-          </a:p>
-        </p:txBody>
-      </p:sp>
       <p:pic>
         <p:nvPicPr>
-          <p:cNvPr id="8" name="Picture 6" descr="IMG_256"/>
+          <p:cNvPr id="14" name="Picture 4" descr="Back and forward buttons"/>
           <p:cNvPicPr>
             <a:picLocks noChangeAspect="1"/>
           </p:cNvPicPr>
@@ -4539,8 +4580,8 @@
         </p:blipFill>
         <p:spPr>
           <a:xfrm>
-            <a:off x="331470" y="1851025"/>
-            <a:ext cx="6617970" cy="3827780"/>
+            <a:off x="277813" y="2254885"/>
+            <a:ext cx="5706745" cy="1165860"/>
           </a:xfrm>
           <a:prstGeom prst="rect">
             <a:avLst/>
@@ -4551,16 +4592,24 @@
           </a:ln>
         </p:spPr>
       </p:pic>
-      <p:sp>
-        <p:nvSpPr>
-          <p:cNvPr id="2" name="Text Box 1"/>
-          <p:cNvSpPr txBox="1"/>
+      <p:pic>
+        <p:nvPicPr>
+          <p:cNvPr id="13" name="Picture 5" descr="The refresh button"/>
+          <p:cNvPicPr>
+            <a:picLocks noChangeAspect="1"/>
+          </p:cNvPicPr>
           <p:nvPr/>
-        </p:nvSpPr>
-        <p:spPr>
-          <a:xfrm>
-            <a:off x="7689215" y="2837180"/>
-            <a:ext cx="3954780" cy="1568450"/>
+        </p:nvPicPr>
+        <p:blipFill>
+          <a:blip r:embed="rId6"/>
+          <a:stretch>
+            <a:fillRect/>
+          </a:stretch>
+        </p:blipFill>
+        <p:spPr>
+          <a:xfrm>
+            <a:off x="303213" y="3563938"/>
+            <a:ext cx="5655945" cy="972185"/>
           </a:xfrm>
           <a:prstGeom prst="rect">
             <a:avLst/>
@@ -4570,23 +4619,33 @@
             <a:noFill/>
           </a:ln>
         </p:spPr>
-        <p:txBody>
-          <a:bodyPr wrap="square">
+      </p:pic>
+      <p:sp>
+        <p:nvSpPr>
+          <p:cNvPr id="3" name="Text Box 2"/>
+          <p:cNvSpPr txBox="1"/>
+          <p:nvPr/>
+        </p:nvSpPr>
+        <p:spPr>
+          <a:xfrm>
+            <a:off x="7128510" y="2721610"/>
+            <a:ext cx="4856480" cy="1568450"/>
+          </a:xfrm>
+          <a:prstGeom prst="rect">
+            <a:avLst/>
+          </a:prstGeom>
+          <a:noFill/>
+        </p:spPr>
+        <p:txBody>
+          <a:bodyPr wrap="square" rtlCol="0">
             <a:spAutoFit/>
           </a:bodyPr>
           <a:p>
-            <a:pPr marL="0" indent="0"/>
-            <a:r>
-              <a:rPr lang="en-US" sz="2400" b="0">
-                <a:latin typeface="Calibri" charset="0"/>
-                <a:cs typeface="SimSun" charset="0"/>
-              </a:rPr>
-              <a:t>It processes  arithmetic and logic operations that need to be done on instruction words</a:t>
-            </a:r>
-            <a:endParaRPr lang="en-US" sz="2400" b="0">
-              <a:latin typeface="Calibri" charset="0"/>
-              <a:cs typeface="SimSun" charset="0"/>
-            </a:endParaRPr>
+            <a:r>
+              <a:rPr lang="en-US" altLang="en-US" sz="2400"/>
+              <a:t>Navigation button alllows you to naviagte to forward, backward or reload current page</a:t>
+            </a:r>
+            <a:endParaRPr lang="en-US" altLang="en-US" sz="2400"/>
           </a:p>
         </p:txBody>
       </p:sp>
@@ -4665,9 +4724,54 @@
           </a:prstGeom>
         </p:spPr>
       </p:pic>
+      <p:sp>
+        <p:nvSpPr>
+          <p:cNvPr id="100" name="Text Box 99"/>
+          <p:cNvSpPr txBox="1"/>
+          <p:nvPr/>
+        </p:nvSpPr>
+        <p:spPr>
+          <a:xfrm>
+            <a:off x="1860550" y="353695"/>
+            <a:ext cx="10375265" cy="922020"/>
+          </a:xfrm>
+          <a:prstGeom prst="rect">
+            <a:avLst/>
+          </a:prstGeom>
+          <a:noFill/>
+          <a:ln w="9525">
+            <a:noFill/>
+          </a:ln>
+        </p:spPr>
+        <p:txBody>
+          <a:bodyPr wrap="square">
+            <a:spAutoFit/>
+          </a:bodyPr>
+          <a:p>
+            <a:pPr indent="0"/>
+            <a:r>
+              <a:rPr lang="en-US" sz="5400" b="1">
+                <a:solidFill>
+                  <a:srgbClr val="E29038"/>
+                </a:solidFill>
+                <a:latin typeface="Calibri" charset="0"/>
+                <a:cs typeface="SimSun" charset="0"/>
+              </a:rPr>
+              <a:t>Bookmark</a:t>
+            </a:r>
+            <a:endParaRPr lang="en-US" sz="5400" b="1">
+              <a:solidFill>
+                <a:srgbClr val="E29038"/>
+              </a:solidFill>
+              <a:latin typeface="Calibri" charset="0"/>
+              <a:cs typeface="SimSun" charset="0"/>
+            </a:endParaRPr>
+          </a:p>
+        </p:txBody>
+      </p:sp>
       <p:pic>
         <p:nvPicPr>
-          <p:cNvPr id="3" name="Picture 2"/>
+          <p:cNvPr id="7" name="Picture 6"/>
           <p:cNvPicPr>
             <a:picLocks noChangeAspect="1"/>
           </p:cNvPicPr>
@@ -4681,24 +4785,32 @@
         </p:blipFill>
         <p:spPr>
           <a:xfrm>
-            <a:off x="331470" y="381635"/>
-            <a:ext cx="1427480" cy="923925"/>
+            <a:off x="278130" y="353695"/>
+            <a:ext cx="1023620" cy="1023620"/>
           </a:xfrm>
           <a:prstGeom prst="rect">
             <a:avLst/>
           </a:prstGeom>
         </p:spPr>
       </p:pic>
-      <p:sp>
-        <p:nvSpPr>
-          <p:cNvPr id="100" name="Text Box 99"/>
-          <p:cNvSpPr txBox="1"/>
+      <p:pic>
+        <p:nvPicPr>
+          <p:cNvPr id="16" name="Picture 9" descr="Bookmarking a web page"/>
+          <p:cNvPicPr>
+            <a:picLocks noChangeAspect="1"/>
+          </p:cNvPicPr>
           <p:nvPr/>
-        </p:nvSpPr>
-        <p:spPr>
-          <a:xfrm>
-            <a:off x="1860550" y="381635"/>
-            <a:ext cx="10375265" cy="922020"/>
+        </p:nvPicPr>
+        <p:blipFill>
+          <a:blip r:embed="rId5"/>
+          <a:stretch>
+            <a:fillRect/>
+          </a:stretch>
+        </p:blipFill>
+        <p:spPr>
+          <a:xfrm>
+            <a:off x="5683250" y="1377315"/>
+            <a:ext cx="5227320" cy="4345940"/>
           </a:xfrm>
           <a:prstGeom prst="rect">
             <a:avLst/>
@@ -4708,32 +4820,7 @@
             <a:noFill/>
           </a:ln>
         </p:spPr>
-        <p:txBody>
-          <a:bodyPr wrap="square">
-            <a:spAutoFit/>
-          </a:bodyPr>
-          <a:p>
-            <a:pPr indent="0"/>
-            <a:r>
-              <a:rPr lang="en-US" sz="5400" b="1">
-                <a:solidFill>
-                  <a:srgbClr val="E29038"/>
-                </a:solidFill>
-                <a:latin typeface="Calibri" charset="0"/>
-                <a:cs typeface="SimSun" charset="0"/>
-              </a:rPr>
-              <a:t>Registers</a:t>
-            </a:r>
-            <a:endParaRPr lang="en-US" altLang="en-US" sz="5400" b="1">
-              <a:solidFill>
-                <a:srgbClr val="00B050"/>
-              </a:solidFill>
-              <a:latin typeface="Calibri" charset="0"/>
-              <a:cs typeface="SimSun" charset="0"/>
-            </a:endParaRPr>
-          </a:p>
-        </p:txBody>
-      </p:sp>
+      </p:pic>
       <p:sp>
         <p:nvSpPr>
           <p:cNvPr id="2" name="Text Box 1"/>
@@ -4742,8 +4829,8 @@
         </p:nvSpPr>
         <p:spPr>
           <a:xfrm>
-            <a:off x="7741285" y="2428240"/>
-            <a:ext cx="3824605" cy="1938020"/>
+            <a:off x="278130" y="3106420"/>
+            <a:ext cx="5080000" cy="645160"/>
           </a:xfrm>
           <a:prstGeom prst="rect">
             <a:avLst/>
@@ -4754,65 +4841,32 @@
           </a:ln>
         </p:spPr>
         <p:txBody>
-          <a:bodyPr wrap="square">
+          <a:bodyPr>
             <a:spAutoFit/>
           </a:bodyPr>
           <a:p>
             <a:pPr marL="0" indent="0"/>
             <a:r>
-              <a:rPr lang="en-US" sz="2400" b="0">
+              <a:rPr lang="en-US" b="0">
                 <a:latin typeface="Calibri" charset="0"/>
                 <a:cs typeface="SimSun" charset="0"/>
               </a:rPr>
-              <a:t>Register is a very fast computer memory, used to store data/instruction in-execution</a:t>
-            </a:r>
-            <a:endParaRPr lang="en-US" sz="2400" b="0">
+              <a:t>If you find a website you want to view later </a:t>
+            </a:r>
+            <a:r>
+              <a:rPr lang="en-US" altLang="en-US" b="0">
+                <a:latin typeface="Calibri" charset="0"/>
+                <a:cs typeface="SimSun" charset="0"/>
+              </a:rPr>
+              <a:t>you just need to bookmark it</a:t>
+            </a:r>
+            <a:endParaRPr lang="en-US" altLang="en-US" b="0">
               <a:latin typeface="Calibri" charset="0"/>
               <a:cs typeface="SimSun" charset="0"/>
             </a:endParaRPr>
           </a:p>
         </p:txBody>
       </p:sp>
-      <p:pic>
-        <p:nvPicPr>
-          <p:cNvPr id="7" name="Picture 6"/>
-          <p:cNvPicPr>
-            <a:picLocks noChangeAspect="1"/>
-          </p:cNvPicPr>
-          <p:nvPr/>
-        </p:nvPicPr>
-        <p:blipFill>
-          <a:blip r:embed="rId5">
-            <a:clrChange>
-              <a:clrFrom>
-                <a:srgbClr val="FFFFFF">
-                  <a:alpha val="100000"/>
-                </a:srgbClr>
-              </a:clrFrom>
-              <a:clrTo>
-                <a:srgbClr val="FFFFFF">
-                  <a:alpha val="100000"/>
-                  <a:alpha val="0"/>
-                </a:srgbClr>
-              </a:clrTo>
-            </a:clrChange>
-            <a:lum bright="-6000"/>
-          </a:blip>
-          <a:srcRect l="-2602" t="18553" r="-4274"/>
-          <a:stretch>
-            <a:fillRect/>
-          </a:stretch>
-        </p:blipFill>
-        <p:spPr>
-          <a:xfrm>
-            <a:off x="461010" y="1614805"/>
-            <a:ext cx="7031365" cy="4023360"/>
-          </a:xfrm>
-          <a:prstGeom prst="rect">
-            <a:avLst/>
-          </a:prstGeom>
-        </p:spPr>
-      </p:pic>
     </p:spTree>
   </p:cSld>
   <p:clrMapOvr>
@@ -4904,138 +4958,12 @@
         </p:blipFill>
         <p:spPr>
           <a:xfrm>
-            <a:off x="331470" y="381635"/>
-            <a:ext cx="1427480" cy="923925"/>
+            <a:off x="2009140" y="601345"/>
+            <a:ext cx="6383020" cy="5176520"/>
           </a:xfrm>
           <a:prstGeom prst="rect">
             <a:avLst/>
           </a:prstGeom>
-        </p:spPr>
-      </p:pic>
-      <p:sp>
-        <p:nvSpPr>
-          <p:cNvPr id="100" name="Text Box 99"/>
-          <p:cNvSpPr txBox="1"/>
-          <p:nvPr/>
-        </p:nvSpPr>
-        <p:spPr>
-          <a:xfrm>
-            <a:off x="1860550" y="353695"/>
-            <a:ext cx="10375265" cy="922020"/>
-          </a:xfrm>
-          <a:prstGeom prst="rect">
-            <a:avLst/>
-          </a:prstGeom>
-          <a:noFill/>
-          <a:ln w="9525">
-            <a:noFill/>
-          </a:ln>
-        </p:spPr>
-        <p:txBody>
-          <a:bodyPr wrap="square">
-            <a:spAutoFit/>
-          </a:bodyPr>
-          <a:p>
-            <a:pPr indent="0"/>
-            <a:r>
-              <a:rPr lang="en-US" sz="5400" b="1">
-                <a:solidFill>
-                  <a:srgbClr val="E29038"/>
-                </a:solidFill>
-                <a:latin typeface="Calibri" charset="0"/>
-                <a:cs typeface="SimSun" charset="0"/>
-              </a:rPr>
-              <a:t>Motherboard</a:t>
-            </a:r>
-            <a:endParaRPr lang="en-US" sz="5400" b="1">
-              <a:solidFill>
-                <a:srgbClr val="E29038"/>
-              </a:solidFill>
-              <a:latin typeface="Calibri" charset="0"/>
-              <a:cs typeface="SimSun" charset="0"/>
-            </a:endParaRPr>
-          </a:p>
-        </p:txBody>
-      </p:sp>
-      <p:sp>
-        <p:nvSpPr>
-          <p:cNvPr id="2" name="Text Box 1"/>
-          <p:cNvSpPr txBox="1"/>
-          <p:nvPr/>
-        </p:nvSpPr>
-        <p:spPr>
-          <a:xfrm>
-            <a:off x="683895" y="3121025"/>
-            <a:ext cx="3824605" cy="1568450"/>
-          </a:xfrm>
-          <a:prstGeom prst="rect">
-            <a:avLst/>
-          </a:prstGeom>
-          <a:noFill/>
-          <a:ln w="9525">
-            <a:noFill/>
-          </a:ln>
-        </p:spPr>
-        <p:txBody>
-          <a:bodyPr wrap="square">
-            <a:spAutoFit/>
-          </a:bodyPr>
-          <a:p>
-            <a:pPr marL="0" indent="0"/>
-            <a:r>
-              <a:rPr lang="" altLang="en-US" sz="2400" b="0">
-                <a:latin typeface="Calibri" charset="0"/>
-                <a:cs typeface="SimSun" charset="0"/>
-              </a:rPr>
-              <a:t>It holds CPU, memory and all typess of connector for input and output devices</a:t>
-            </a:r>
-            <a:endParaRPr lang="" altLang="en-US" sz="2400" b="0">
-              <a:latin typeface="Calibri" charset="0"/>
-              <a:cs typeface="SimSun" charset="0"/>
-            </a:endParaRPr>
-          </a:p>
-        </p:txBody>
-      </p:sp>
-      <p:pic>
-        <p:nvPicPr>
-          <p:cNvPr id="12" name="Picture 5" descr="IMG_256"/>
-          <p:cNvPicPr>
-            <a:picLocks noChangeAspect="1"/>
-          </p:cNvPicPr>
-          <p:nvPr/>
-        </p:nvPicPr>
-        <p:blipFill>
-          <a:blip r:embed="rId5">
-            <a:clrChange>
-              <a:clrFrom>
-                <a:srgbClr val="FFFFFF">
-                  <a:alpha val="100000"/>
-                </a:srgbClr>
-              </a:clrFrom>
-              <a:clrTo>
-                <a:srgbClr val="FFFFFF">
-                  <a:alpha val="100000"/>
-                  <a:alpha val="0"/>
-                </a:srgbClr>
-              </a:clrTo>
-            </a:clrChange>
-          </a:blip>
-          <a:stretch>
-            <a:fillRect/>
-          </a:stretch>
-        </p:blipFill>
-        <p:spPr>
-          <a:xfrm>
-            <a:off x="4340860" y="1448435"/>
-            <a:ext cx="6892925" cy="4440555"/>
-          </a:xfrm>
-          <a:prstGeom prst="rect">
-            <a:avLst/>
-          </a:prstGeom>
-          <a:noFill/>
-          <a:ln w="9525">
-            <a:noFill/>
-          </a:ln>
         </p:spPr>
       </p:pic>
     </p:spTree>
